--- a/project.pptx
+++ b/project.pptx
@@ -7455,6 +7455,14 @@
               <a:rPr lang="ko-KR" altLang="ko-KR" dirty="0"/>
               <a:t>임대규</a:t>
             </a:r>
+            <a:endParaRPr lang="en-US" altLang="ko-KR" dirty="0"/>
+          </a:p>
+          <a:p>
+            <a:r>
+              <a:rPr lang="en-US" altLang="ko-KR" dirty="0"/>
+              <a:t>Git: https://github.com/meogyu/AIE5101.git</a:t>
+            </a:r>
+            <a:endParaRPr lang="ko-KR" altLang="ko-KR" dirty="0"/>
           </a:p>
         </p:txBody>
       </p:sp>
@@ -12783,8 +12791,8 @@
           </a:p>
         </p:txBody>
       </p:sp>
-      <mc:AlternateContent xmlns:mc="http://schemas.openxmlformats.org/markup-compatibility/2006">
-        <mc:Choice xmlns:a14="http://schemas.microsoft.com/office/drawing/2010/main" Requires="a14">
+      <mc:AlternateContent xmlns:mc="http://schemas.openxmlformats.org/markup-compatibility/2006" xmlns:a14="http://schemas.microsoft.com/office/drawing/2010/main">
+        <mc:Choice Requires="a14">
           <p:sp>
             <p:nvSpPr>
               <p:cNvPr id="6" name="내용 개체 틀 2">
@@ -13031,117 +13039,161 @@
                       <m:sSub>
                         <m:sSubPr>
                           <m:ctrlPr>
-                            <a:rPr lang="ko-KR" altLang="ko-KR" i="1"/>
+                            <a:rPr lang="ko-KR" altLang="ko-KR" i="1">
+                              <a:latin typeface="Cambria Math" panose="02040503050406030204" pitchFamily="18" charset="0"/>
+                            </a:rPr>
                           </m:ctrlPr>
                         </m:sSubPr>
                         <m:e>
                           <m:r>
-                            <a:rPr lang="en-US" altLang="ko-KR" i="1"/>
+                            <a:rPr lang="en-US" altLang="ko-KR" i="1">
+                              <a:latin typeface="Cambria Math" panose="02040503050406030204" pitchFamily="18" charset="0"/>
+                            </a:rPr>
                             <m:t>𝛿</m:t>
                           </m:r>
                         </m:e>
                         <m:sub>
                           <m:r>
-                            <a:rPr lang="en-US" altLang="ko-KR" i="1"/>
+                            <a:rPr lang="en-US" altLang="ko-KR" i="1">
+                              <a:latin typeface="Cambria Math" panose="02040503050406030204" pitchFamily="18" charset="0"/>
+                            </a:rPr>
                             <m:t>𝑡</m:t>
                           </m:r>
                         </m:sub>
                       </m:sSub>
                       <m:r>
-                        <a:rPr lang="en-US" altLang="ko-KR" i="1"/>
+                        <a:rPr lang="en-US" altLang="ko-KR" i="1">
+                          <a:latin typeface="Cambria Math" panose="02040503050406030204" pitchFamily="18" charset="0"/>
+                        </a:rPr>
                         <m:t>=</m:t>
                       </m:r>
                       <m:sSub>
                         <m:sSubPr>
                           <m:ctrlPr>
-                            <a:rPr lang="ko-KR" altLang="ko-KR" i="1"/>
+                            <a:rPr lang="ko-KR" altLang="ko-KR" i="1">
+                              <a:latin typeface="Cambria Math" panose="02040503050406030204" pitchFamily="18" charset="0"/>
+                            </a:rPr>
                           </m:ctrlPr>
                         </m:sSubPr>
                         <m:e>
                           <m:r>
-                            <a:rPr lang="en-US" altLang="ko-KR" i="1"/>
+                            <a:rPr lang="en-US" altLang="ko-KR" i="1">
+                              <a:latin typeface="Cambria Math" panose="02040503050406030204" pitchFamily="18" charset="0"/>
+                            </a:rPr>
                             <m:t>𝑟</m:t>
                           </m:r>
                         </m:e>
                         <m:sub>
                           <m:r>
-                            <a:rPr lang="en-US" altLang="ko-KR" i="1"/>
+                            <a:rPr lang="en-US" altLang="ko-KR" i="1">
+                              <a:latin typeface="Cambria Math" panose="02040503050406030204" pitchFamily="18" charset="0"/>
+                            </a:rPr>
                             <m:t>𝑡</m:t>
                           </m:r>
                         </m:sub>
                       </m:sSub>
                       <m:r>
-                        <a:rPr lang="en-US" altLang="ko-KR" i="1"/>
+                        <a:rPr lang="en-US" altLang="ko-KR" i="1">
+                          <a:latin typeface="Cambria Math" panose="02040503050406030204" pitchFamily="18" charset="0"/>
+                        </a:rPr>
                         <m:t>+</m:t>
                       </m:r>
                       <m:r>
-                        <a:rPr lang="en-US" altLang="ko-KR" i="1"/>
+                        <a:rPr lang="en-US" altLang="ko-KR" i="1">
+                          <a:latin typeface="Cambria Math" panose="02040503050406030204" pitchFamily="18" charset="0"/>
+                        </a:rPr>
                         <m:t>𝛾</m:t>
                       </m:r>
                       <m:r>
-                        <a:rPr lang="en-US" altLang="ko-KR" i="1"/>
+                        <a:rPr lang="en-US" altLang="ko-KR" i="1">
+                          <a:latin typeface="Cambria Math" panose="02040503050406030204" pitchFamily="18" charset="0"/>
+                        </a:rPr>
                         <m:t>𝑉</m:t>
                       </m:r>
                       <m:r>
-                        <a:rPr lang="en-US" altLang="ko-KR" i="1"/>
+                        <a:rPr lang="en-US" altLang="ko-KR" i="1">
+                          <a:latin typeface="Cambria Math" panose="02040503050406030204" pitchFamily="18" charset="0"/>
+                        </a:rPr>
                         <m:t>(</m:t>
                       </m:r>
                       <m:sSub>
                         <m:sSubPr>
                           <m:ctrlPr>
-                            <a:rPr lang="ko-KR" altLang="ko-KR" i="1"/>
+                            <a:rPr lang="ko-KR" altLang="ko-KR" i="1">
+                              <a:latin typeface="Cambria Math" panose="02040503050406030204" pitchFamily="18" charset="0"/>
+                            </a:rPr>
                           </m:ctrlPr>
                         </m:sSubPr>
                         <m:e>
                           <m:r>
-                            <a:rPr lang="en-US" altLang="ko-KR" i="1"/>
+                            <a:rPr lang="en-US" altLang="ko-KR" i="1">
+                              <a:latin typeface="Cambria Math" panose="02040503050406030204" pitchFamily="18" charset="0"/>
+                            </a:rPr>
                             <m:t>𝑠</m:t>
                           </m:r>
                         </m:e>
                         <m:sub>
                           <m:r>
-                            <a:rPr lang="en-US" altLang="ko-KR" i="1"/>
+                            <a:rPr lang="en-US" altLang="ko-KR" i="1">
+                              <a:latin typeface="Cambria Math" panose="02040503050406030204" pitchFamily="18" charset="0"/>
+                            </a:rPr>
                             <m:t>𝑡</m:t>
                           </m:r>
                           <m:r>
-                            <a:rPr lang="en-US" altLang="ko-KR" i="1"/>
+                            <a:rPr lang="en-US" altLang="ko-KR" i="1">
+                              <a:latin typeface="Cambria Math" panose="02040503050406030204" pitchFamily="18" charset="0"/>
+                            </a:rPr>
                             <m:t>+1</m:t>
                           </m:r>
                         </m:sub>
                       </m:sSub>
                       <m:r>
-                        <a:rPr lang="en-US" altLang="ko-KR" i="1"/>
+                        <a:rPr lang="en-US" altLang="ko-KR" i="1">
+                          <a:latin typeface="Cambria Math" panose="02040503050406030204" pitchFamily="18" charset="0"/>
+                        </a:rPr>
                         <m:t>)−</m:t>
                       </m:r>
                       <m:r>
-                        <a:rPr lang="en-US" altLang="ko-KR" i="1"/>
+                        <a:rPr lang="en-US" altLang="ko-KR" i="1">
+                          <a:latin typeface="Cambria Math" panose="02040503050406030204" pitchFamily="18" charset="0"/>
+                        </a:rPr>
                         <m:t>𝑉</m:t>
                       </m:r>
                       <m:r>
-                        <a:rPr lang="en-US" altLang="ko-KR" i="1"/>
+                        <a:rPr lang="en-US" altLang="ko-KR" i="1">
+                          <a:latin typeface="Cambria Math" panose="02040503050406030204" pitchFamily="18" charset="0"/>
+                        </a:rPr>
                         <m:t>(</m:t>
                       </m:r>
                       <m:sSub>
                         <m:sSubPr>
                           <m:ctrlPr>
-                            <a:rPr lang="ko-KR" altLang="ko-KR" i="1"/>
+                            <a:rPr lang="ko-KR" altLang="ko-KR" i="1">
+                              <a:latin typeface="Cambria Math" panose="02040503050406030204" pitchFamily="18" charset="0"/>
+                            </a:rPr>
                           </m:ctrlPr>
                         </m:sSubPr>
                         <m:e>
                           <m:r>
-                            <a:rPr lang="en-US" altLang="ko-KR" i="1"/>
+                            <a:rPr lang="en-US" altLang="ko-KR" i="1">
+                              <a:latin typeface="Cambria Math" panose="02040503050406030204" pitchFamily="18" charset="0"/>
+                            </a:rPr>
                             <m:t>𝑠</m:t>
                           </m:r>
                         </m:e>
                         <m:sub>
                           <m:r>
-                            <a:rPr lang="en-US" altLang="ko-KR" i="1"/>
+                            <a:rPr lang="en-US" altLang="ko-KR" i="1">
+                              <a:latin typeface="Cambria Math" panose="02040503050406030204" pitchFamily="18" charset="0"/>
+                            </a:rPr>
                             <m:t>𝑡</m:t>
                           </m:r>
                         </m:sub>
                       </m:sSub>
                       <m:r>
-                        <a:rPr lang="en-US" altLang="ko-KR" i="1"/>
+                        <a:rPr lang="en-US" altLang="ko-KR" i="1">
+                          <a:latin typeface="Cambria Math" panose="02040503050406030204" pitchFamily="18" charset="0"/>
+                        </a:rPr>
                         <m:t>)</m:t>
                       </m:r>
                     </m:oMath>
@@ -13149,72 +13201,98 @@
                       <m:sSub>
                         <m:sSubPr>
                           <m:ctrlPr>
-                            <a:rPr lang="ko-KR" altLang="ko-KR" i="1"/>
+                            <a:rPr lang="ko-KR" altLang="ko-KR" i="1">
+                              <a:latin typeface="Cambria Math" panose="02040503050406030204" pitchFamily="18" charset="0"/>
+                            </a:rPr>
                           </m:ctrlPr>
                         </m:sSubPr>
                         <m:e>
                           <m:r>
-                            <a:rPr lang="en-US" altLang="ko-KR" i="1"/>
+                            <a:rPr lang="en-US" altLang="ko-KR" i="1">
+                              <a:latin typeface="Cambria Math" panose="02040503050406030204" pitchFamily="18" charset="0"/>
+                            </a:rPr>
                             <m:t>𝐴</m:t>
                           </m:r>
                         </m:e>
                         <m:sub>
                           <m:r>
-                            <a:rPr lang="en-US" altLang="ko-KR" i="1"/>
+                            <a:rPr lang="en-US" altLang="ko-KR" i="1">
+                              <a:latin typeface="Cambria Math" panose="02040503050406030204" pitchFamily="18" charset="0"/>
+                            </a:rPr>
                             <m:t>𝑡</m:t>
                           </m:r>
                         </m:sub>
                       </m:sSub>
                       <m:r>
-                        <a:rPr lang="en-US" altLang="ko-KR" i="1"/>
+                        <a:rPr lang="en-US" altLang="ko-KR" i="1">
+                          <a:latin typeface="Cambria Math" panose="02040503050406030204" pitchFamily="18" charset="0"/>
+                        </a:rPr>
                         <m:t>=</m:t>
                       </m:r>
                       <m:sSub>
                         <m:sSubPr>
                           <m:ctrlPr>
-                            <a:rPr lang="ko-KR" altLang="ko-KR" i="1"/>
+                            <a:rPr lang="ko-KR" altLang="ko-KR" i="1">
+                              <a:latin typeface="Cambria Math" panose="02040503050406030204" pitchFamily="18" charset="0"/>
+                            </a:rPr>
                           </m:ctrlPr>
                         </m:sSubPr>
                         <m:e>
                           <m:r>
-                            <a:rPr lang="en-US" altLang="ko-KR" i="1"/>
+                            <a:rPr lang="en-US" altLang="ko-KR" i="1">
+                              <a:latin typeface="Cambria Math" panose="02040503050406030204" pitchFamily="18" charset="0"/>
+                            </a:rPr>
                             <m:t>𝛿</m:t>
                           </m:r>
                         </m:e>
                         <m:sub>
                           <m:r>
-                            <a:rPr lang="en-US" altLang="ko-KR" i="1"/>
+                            <a:rPr lang="en-US" altLang="ko-KR" i="1">
+                              <a:latin typeface="Cambria Math" panose="02040503050406030204" pitchFamily="18" charset="0"/>
+                            </a:rPr>
                             <m:t>𝑡</m:t>
                           </m:r>
                         </m:sub>
                       </m:sSub>
                       <m:r>
-                        <a:rPr lang="en-US" altLang="ko-KR" i="1"/>
+                        <a:rPr lang="en-US" altLang="ko-KR" i="1">
+                          <a:latin typeface="Cambria Math" panose="02040503050406030204" pitchFamily="18" charset="0"/>
+                        </a:rPr>
                         <m:t>+</m:t>
                       </m:r>
                       <m:r>
-                        <a:rPr lang="en-US" altLang="ko-KR" i="1"/>
+                        <a:rPr lang="en-US" altLang="ko-KR" i="1">
+                          <a:latin typeface="Cambria Math" panose="02040503050406030204" pitchFamily="18" charset="0"/>
+                        </a:rPr>
                         <m:t>𝛾𝜆</m:t>
                       </m:r>
                       <m:sSub>
                         <m:sSubPr>
                           <m:ctrlPr>
-                            <a:rPr lang="ko-KR" altLang="ko-KR" i="1"/>
+                            <a:rPr lang="ko-KR" altLang="ko-KR" i="1">
+                              <a:latin typeface="Cambria Math" panose="02040503050406030204" pitchFamily="18" charset="0"/>
+                            </a:rPr>
                           </m:ctrlPr>
                         </m:sSubPr>
                         <m:e>
                           <m:r>
-                            <a:rPr lang="en-US" altLang="ko-KR" i="1"/>
+                            <a:rPr lang="en-US" altLang="ko-KR" i="1">
+                              <a:latin typeface="Cambria Math" panose="02040503050406030204" pitchFamily="18" charset="0"/>
+                            </a:rPr>
                             <m:t>𝐴</m:t>
                           </m:r>
                         </m:e>
                         <m:sub>
                           <m:r>
-                            <a:rPr lang="en-US" altLang="ko-KR" i="1"/>
+                            <a:rPr lang="en-US" altLang="ko-KR" i="1">
+                              <a:latin typeface="Cambria Math" panose="02040503050406030204" pitchFamily="18" charset="0"/>
+                            </a:rPr>
                             <m:t>𝑡</m:t>
                           </m:r>
                           <m:r>
-                            <a:rPr lang="en-US" altLang="ko-KR" i="1"/>
+                            <a:rPr lang="en-US" altLang="ko-KR" i="1">
+                              <a:latin typeface="Cambria Math" panose="02040503050406030204" pitchFamily="18" charset="0"/>
+                            </a:rPr>
                             <m:t>+1</m:t>
                           </m:r>
                         </m:sub>
@@ -13259,7 +13337,7 @@
             </p:txBody>
           </p:sp>
         </mc:Choice>
-        <mc:Fallback>
+        <mc:Fallback xmlns="">
           <p:sp>
             <p:nvSpPr>
               <p:cNvPr id="6" name="내용 개체 틀 2">
@@ -13700,8 +13778,8 @@
           </a:p>
         </p:txBody>
       </p:sp>
-      <mc:AlternateContent xmlns:mc="http://schemas.openxmlformats.org/markup-compatibility/2006">
-        <mc:Choice xmlns:a14="http://schemas.microsoft.com/office/drawing/2010/main" Requires="a14">
+      <mc:AlternateContent xmlns:mc="http://schemas.openxmlformats.org/markup-compatibility/2006" xmlns:a14="http://schemas.microsoft.com/office/drawing/2010/main">
+        <mc:Choice Requires="a14">
           <p:sp>
             <p:nvSpPr>
               <p:cNvPr id="6" name="내용 개체 틀 2">
@@ -13954,56 +14032,76 @@
                       <m:sSub>
                         <m:sSubPr>
                           <m:ctrlPr>
-                            <a:rPr lang="ko-KR" altLang="ko-KR" sz="1800" i="1"/>
+                            <a:rPr lang="ko-KR" altLang="ko-KR" sz="1800" i="1">
+                              <a:latin typeface="Cambria Math" panose="02040503050406030204" pitchFamily="18" charset="0"/>
+                            </a:rPr>
                           </m:ctrlPr>
                         </m:sSubPr>
                         <m:e>
                           <m:r>
-                            <a:rPr lang="en-US" altLang="ko-KR" sz="1800" i="1"/>
+                            <a:rPr lang="en-US" altLang="ko-KR" sz="1800" i="1">
+                              <a:latin typeface="Cambria Math" panose="02040503050406030204" pitchFamily="18" charset="0"/>
+                            </a:rPr>
                             <m:t>𝐿</m:t>
                           </m:r>
                         </m:e>
                         <m:sub>
                           <m:r>
-                            <a:rPr lang="en-US" altLang="ko-KR" sz="1800" i="1"/>
+                            <a:rPr lang="en-US" altLang="ko-KR" sz="1800" i="1">
+                              <a:latin typeface="Cambria Math" panose="02040503050406030204" pitchFamily="18" charset="0"/>
+                            </a:rPr>
                             <m:t>𝑝𝑝𝑜</m:t>
                           </m:r>
                         </m:sub>
                       </m:sSub>
                       <m:r>
-                        <a:rPr lang="en-US" altLang="ko-KR" sz="1800" i="1"/>
+                        <a:rPr lang="en-US" altLang="ko-KR" sz="1800" i="1">
+                          <a:latin typeface="Cambria Math" panose="02040503050406030204" pitchFamily="18" charset="0"/>
+                        </a:rPr>
                         <m:t>=</m:t>
                       </m:r>
                       <m:r>
                         <m:rPr>
                           <m:sty m:val="p"/>
                         </m:rPr>
-                        <a:rPr lang="en-US" altLang="ko-KR" sz="1800"/>
+                        <a:rPr lang="en-US" altLang="ko-KR" sz="1800">
+                          <a:latin typeface="Cambria Math" panose="02040503050406030204" pitchFamily="18" charset="0"/>
+                        </a:rPr>
                         <m:t>min</m:t>
                       </m:r>
                       <m:r>
-                        <a:rPr lang="en-US" altLang="ko-KR" sz="1800"/>
+                        <a:rPr lang="en-US" altLang="ko-KR" sz="1800">
+                          <a:latin typeface="Cambria Math" panose="02040503050406030204" pitchFamily="18" charset="0"/>
+                        </a:rPr>
                         <m:t>⁡</m:t>
                       </m:r>
                       <m:r>
-                        <a:rPr lang="en-US" altLang="ko-KR" sz="1800" i="1"/>
+                        <a:rPr lang="en-US" altLang="ko-KR" sz="1800" i="1">
+                          <a:latin typeface="Cambria Math" panose="02040503050406030204" pitchFamily="18" charset="0"/>
+                        </a:rPr>
                         <m:t>(</m:t>
                       </m:r>
                       <m:sSub>
                         <m:sSubPr>
                           <m:ctrlPr>
-                            <a:rPr lang="ko-KR" altLang="ko-KR" sz="1800" i="1"/>
+                            <a:rPr lang="ko-KR" altLang="ko-KR" sz="1800" i="1">
+                              <a:latin typeface="Cambria Math" panose="02040503050406030204" pitchFamily="18" charset="0"/>
+                            </a:rPr>
                           </m:ctrlPr>
                         </m:sSubPr>
                         <m:e>
                           <m:r>
-                            <a:rPr lang="en-US" altLang="ko-KR" sz="1800" i="1"/>
+                            <a:rPr lang="en-US" altLang="ko-KR" sz="1800" i="1">
+                              <a:latin typeface="Cambria Math" panose="02040503050406030204" pitchFamily="18" charset="0"/>
+                            </a:rPr>
                             <m:t>𝑟</m:t>
                           </m:r>
                         </m:e>
                         <m:sub>
                           <m:r>
-                            <a:rPr lang="en-US" altLang="ko-KR" sz="1800" i="1"/>
+                            <a:rPr lang="en-US" altLang="ko-KR" sz="1800" i="1">
+                              <a:latin typeface="Cambria Math" panose="02040503050406030204" pitchFamily="18" charset="0"/>
+                            </a:rPr>
                             <m:t>𝑡</m:t>
                           </m:r>
                         </m:sub>
@@ -14011,70 +14109,96 @@
                       <m:sSub>
                         <m:sSubPr>
                           <m:ctrlPr>
-                            <a:rPr lang="ko-KR" altLang="ko-KR" sz="1800" i="1"/>
+                            <a:rPr lang="ko-KR" altLang="ko-KR" sz="1800" i="1">
+                              <a:latin typeface="Cambria Math" panose="02040503050406030204" pitchFamily="18" charset="0"/>
+                            </a:rPr>
                           </m:ctrlPr>
                         </m:sSubPr>
                         <m:e>
                           <m:r>
-                            <a:rPr lang="en-US" altLang="ko-KR" sz="1800" i="1"/>
+                            <a:rPr lang="en-US" altLang="ko-KR" sz="1800" i="1">
+                              <a:latin typeface="Cambria Math" panose="02040503050406030204" pitchFamily="18" charset="0"/>
+                            </a:rPr>
                             <m:t>𝐴</m:t>
                           </m:r>
                         </m:e>
                         <m:sub>
                           <m:r>
-                            <a:rPr lang="en-US" altLang="ko-KR" sz="1800" i="1"/>
+                            <a:rPr lang="en-US" altLang="ko-KR" sz="1800" i="1">
+                              <a:latin typeface="Cambria Math" panose="02040503050406030204" pitchFamily="18" charset="0"/>
+                            </a:rPr>
                             <m:t>𝑡</m:t>
                           </m:r>
                         </m:sub>
                       </m:sSub>
                       <m:r>
-                        <a:rPr lang="en-US" altLang="ko-KR" sz="1800" i="1"/>
+                        <a:rPr lang="en-US" altLang="ko-KR" sz="1800" i="1">
+                          <a:latin typeface="Cambria Math" panose="02040503050406030204" pitchFamily="18" charset="0"/>
+                        </a:rPr>
                         <m:t>, </m:t>
                       </m:r>
                       <m:r>
-                        <a:rPr lang="en-US" altLang="ko-KR" sz="1800" i="1"/>
+                        <a:rPr lang="en-US" altLang="ko-KR" sz="1800" i="1">
+                          <a:latin typeface="Cambria Math" panose="02040503050406030204" pitchFamily="18" charset="0"/>
+                        </a:rPr>
                         <m:t>𝑐𝑙𝑖𝑝</m:t>
                       </m:r>
                       <m:d>
                         <m:dPr>
                           <m:ctrlPr>
-                            <a:rPr lang="ko-KR" altLang="ko-KR" sz="1800" i="1"/>
+                            <a:rPr lang="ko-KR" altLang="ko-KR" sz="1800" i="1">
+                              <a:latin typeface="Cambria Math" panose="02040503050406030204" pitchFamily="18" charset="0"/>
+                            </a:rPr>
                           </m:ctrlPr>
                         </m:dPr>
                         <m:e>
                           <m:sSub>
                             <m:sSubPr>
                               <m:ctrlPr>
-                                <a:rPr lang="ko-KR" altLang="ko-KR" sz="1800" i="1"/>
+                                <a:rPr lang="ko-KR" altLang="ko-KR" sz="1800" i="1">
+                                  <a:latin typeface="Cambria Math" panose="02040503050406030204" pitchFamily="18" charset="0"/>
+                                </a:rPr>
                               </m:ctrlPr>
                             </m:sSubPr>
                             <m:e>
                               <m:r>
-                                <a:rPr lang="en-US" altLang="ko-KR" sz="1800" i="1"/>
+                                <a:rPr lang="en-US" altLang="ko-KR" sz="1800" i="1">
+                                  <a:latin typeface="Cambria Math" panose="02040503050406030204" pitchFamily="18" charset="0"/>
+                                </a:rPr>
                                 <m:t>𝑟</m:t>
                               </m:r>
                             </m:e>
                             <m:sub>
                               <m:r>
-                                <a:rPr lang="en-US" altLang="ko-KR" sz="1800" i="1"/>
+                                <a:rPr lang="en-US" altLang="ko-KR" sz="1800" i="1">
+                                  <a:latin typeface="Cambria Math" panose="02040503050406030204" pitchFamily="18" charset="0"/>
+                                </a:rPr>
                                 <m:t>𝑡</m:t>
                               </m:r>
                             </m:sub>
                           </m:sSub>
                           <m:r>
-                            <a:rPr lang="en-US" altLang="ko-KR" sz="1800" i="1"/>
+                            <a:rPr lang="en-US" altLang="ko-KR" sz="1800" i="1">
+                              <a:latin typeface="Cambria Math" panose="02040503050406030204" pitchFamily="18" charset="0"/>
+                            </a:rPr>
                             <m:t>,1−</m:t>
                           </m:r>
                           <m:r>
-                            <a:rPr lang="en-US" altLang="ko-KR" sz="1800" i="1"/>
+                            <a:rPr lang="en-US" altLang="ko-KR" sz="1800" i="1">
+                              <a:latin typeface="Cambria Math" panose="02040503050406030204" pitchFamily="18" charset="0"/>
+                            </a:rPr>
                             <m:t>𝜖</m:t>
                           </m:r>
                           <m:r>
-                            <a:rPr lang="en-US" altLang="ko-KR" sz="1800" i="1"/>
+                            <a:rPr lang="en-US" altLang="ko-KR" sz="1800" i="1">
+                              <a:latin typeface="Cambria Math" panose="02040503050406030204" pitchFamily="18" charset="0"/>
+                            </a:rPr>
                             <m:t>,1+</m:t>
                           </m:r>
                           <m:r>
-                            <a:rPr lang="en-US" altLang="ko-KR" sz="1800" i="1"/>
+                            <a:rPr lang="en-US" altLang="ko-KR" sz="1800" i="1">
+                              <a:latin typeface="Cambria Math" panose="02040503050406030204" pitchFamily="18" charset="0"/>
+                            </a:rPr>
                             <m:t>𝜖</m:t>
                           </m:r>
                         </m:e>
@@ -14082,24 +14206,32 @@
                       <m:sSub>
                         <m:sSubPr>
                           <m:ctrlPr>
-                            <a:rPr lang="ko-KR" altLang="ko-KR" sz="1800" i="1"/>
+                            <a:rPr lang="ko-KR" altLang="ko-KR" sz="1800" i="1">
+                              <a:latin typeface="Cambria Math" panose="02040503050406030204" pitchFamily="18" charset="0"/>
+                            </a:rPr>
                           </m:ctrlPr>
                         </m:sSubPr>
                         <m:e>
                           <m:r>
-                            <a:rPr lang="en-US" altLang="ko-KR" sz="1800" i="1"/>
+                            <a:rPr lang="en-US" altLang="ko-KR" sz="1800" i="1">
+                              <a:latin typeface="Cambria Math" panose="02040503050406030204" pitchFamily="18" charset="0"/>
+                            </a:rPr>
                             <m:t>𝐴</m:t>
                           </m:r>
                         </m:e>
                         <m:sub>
                           <m:r>
-                            <a:rPr lang="en-US" altLang="ko-KR" sz="1800" i="1"/>
+                            <a:rPr lang="en-US" altLang="ko-KR" sz="1800" i="1">
+                              <a:latin typeface="Cambria Math" panose="02040503050406030204" pitchFamily="18" charset="0"/>
+                            </a:rPr>
                             <m:t>𝑡</m:t>
                           </m:r>
                         </m:sub>
                       </m:sSub>
                       <m:r>
-                        <a:rPr lang="en-US" altLang="ko-KR" sz="1800" i="1"/>
+                        <a:rPr lang="en-US" altLang="ko-KR" sz="1800" i="1">
+                          <a:latin typeface="Cambria Math" panose="02040503050406030204" pitchFamily="18" charset="0"/>
+                        </a:rPr>
                         <m:t>)</m:t>
                       </m:r>
                     </m:oMath>
@@ -14129,100 +14261,134 @@
                       <m:sSub>
                         <m:sSubPr>
                           <m:ctrlPr>
-                            <a:rPr lang="ko-KR" altLang="ko-KR" sz="1800" i="1"/>
+                            <a:rPr lang="ko-KR" altLang="ko-KR" sz="1800" i="1">
+                              <a:latin typeface="Cambria Math" panose="02040503050406030204" pitchFamily="18" charset="0"/>
+                            </a:rPr>
                           </m:ctrlPr>
                         </m:sSubPr>
                         <m:e>
                           <m:r>
-                            <a:rPr lang="en-US" altLang="ko-KR" sz="1800" i="1"/>
+                            <a:rPr lang="en-US" altLang="ko-KR" sz="1800" i="1">
+                              <a:latin typeface="Cambria Math" panose="02040503050406030204" pitchFamily="18" charset="0"/>
+                            </a:rPr>
                             <m:t>𝑟</m:t>
                           </m:r>
                         </m:e>
                         <m:sub>
                           <m:r>
-                            <a:rPr lang="en-US" altLang="ko-KR" sz="1800" i="1"/>
+                            <a:rPr lang="en-US" altLang="ko-KR" sz="1800" i="1">
+                              <a:latin typeface="Cambria Math" panose="02040503050406030204" pitchFamily="18" charset="0"/>
+                            </a:rPr>
                             <m:t>𝑡</m:t>
                           </m:r>
                         </m:sub>
                       </m:sSub>
                       <m:r>
-                        <a:rPr lang="en-US" altLang="ko-KR" sz="1800" i="1"/>
+                        <a:rPr lang="en-US" altLang="ko-KR" sz="1800" i="1">
+                          <a:latin typeface="Cambria Math" panose="02040503050406030204" pitchFamily="18" charset="0"/>
+                        </a:rPr>
                         <m:t>=</m:t>
                       </m:r>
                       <m:f>
                         <m:fPr>
                           <m:ctrlPr>
-                            <a:rPr lang="ko-KR" altLang="ko-KR" sz="1800" i="1"/>
+                            <a:rPr lang="ko-KR" altLang="ko-KR" sz="1800" i="1">
+                              <a:latin typeface="Cambria Math" panose="02040503050406030204" pitchFamily="18" charset="0"/>
+                            </a:rPr>
                           </m:ctrlPr>
                         </m:fPr>
                         <m:num>
                           <m:sSub>
                             <m:sSubPr>
                               <m:ctrlPr>
-                                <a:rPr lang="ko-KR" altLang="ko-KR" sz="1800" i="1"/>
+                                <a:rPr lang="ko-KR" altLang="ko-KR" sz="1800" i="1">
+                                  <a:latin typeface="Cambria Math" panose="02040503050406030204" pitchFamily="18" charset="0"/>
+                                </a:rPr>
                               </m:ctrlPr>
                             </m:sSubPr>
                             <m:e>
                               <m:r>
-                                <a:rPr lang="en-US" altLang="ko-KR" sz="1800" i="1"/>
+                                <a:rPr lang="en-US" altLang="ko-KR" sz="1800" i="1">
+                                  <a:latin typeface="Cambria Math" panose="02040503050406030204" pitchFamily="18" charset="0"/>
+                                </a:rPr>
                                 <m:t>𝜋</m:t>
                               </m:r>
                             </m:e>
                             <m:sub>
                               <m:r>
-                                <a:rPr lang="en-US" altLang="ko-KR" sz="1800" i="1"/>
+                                <a:rPr lang="en-US" altLang="ko-KR" sz="1800" i="1">
+                                  <a:latin typeface="Cambria Math" panose="02040503050406030204" pitchFamily="18" charset="0"/>
+                                </a:rPr>
                                 <m:t>𝜃</m:t>
                               </m:r>
                             </m:sub>
                           </m:sSub>
                           <m:r>
-                            <a:rPr lang="en-US" altLang="ko-KR" sz="1800" i="1"/>
+                            <a:rPr lang="en-US" altLang="ko-KR" sz="1800" i="1">
+                              <a:latin typeface="Cambria Math" panose="02040503050406030204" pitchFamily="18" charset="0"/>
+                            </a:rPr>
                             <m:t>(</m:t>
                           </m:r>
                           <m:sSub>
                             <m:sSubPr>
                               <m:ctrlPr>
-                                <a:rPr lang="ko-KR" altLang="ko-KR" sz="1800" i="1"/>
+                                <a:rPr lang="ko-KR" altLang="ko-KR" sz="1800" i="1">
+                                  <a:latin typeface="Cambria Math" panose="02040503050406030204" pitchFamily="18" charset="0"/>
+                                </a:rPr>
                               </m:ctrlPr>
                             </m:sSubPr>
                             <m:e>
                               <m:r>
-                                <a:rPr lang="en-US" altLang="ko-KR" sz="1800" i="1"/>
+                                <a:rPr lang="en-US" altLang="ko-KR" sz="1800" i="1">
+                                  <a:latin typeface="Cambria Math" panose="02040503050406030204" pitchFamily="18" charset="0"/>
+                                </a:rPr>
                                 <m:t>𝑎</m:t>
                               </m:r>
                             </m:e>
                             <m:sub>
                               <m:r>
-                                <a:rPr lang="en-US" altLang="ko-KR" sz="1800" i="1"/>
+                                <a:rPr lang="en-US" altLang="ko-KR" sz="1800" i="1">
+                                  <a:latin typeface="Cambria Math" panose="02040503050406030204" pitchFamily="18" charset="0"/>
+                                </a:rPr>
                                 <m:t>𝑡</m:t>
                               </m:r>
                             </m:sub>
                           </m:sSub>
                           <m:r>
-                            <a:rPr lang="en-US" altLang="ko-KR" sz="1800"/>
+                            <a:rPr lang="en-US" altLang="ko-KR" sz="1800">
+                              <a:latin typeface="Cambria Math" panose="02040503050406030204" pitchFamily="18" charset="0"/>
+                            </a:rPr>
                             <m:t>∣</m:t>
                           </m:r>
                           <m:sSub>
                             <m:sSubPr>
                               <m:ctrlPr>
-                                <a:rPr lang="ko-KR" altLang="ko-KR" sz="1800" i="1"/>
+                                <a:rPr lang="ko-KR" altLang="ko-KR" sz="1800" i="1">
+                                  <a:latin typeface="Cambria Math" panose="02040503050406030204" pitchFamily="18" charset="0"/>
+                                </a:rPr>
                               </m:ctrlPr>
                             </m:sSubPr>
                             <m:e>
                               <m:r>
-                                <a:rPr lang="en-US" altLang="ko-KR" sz="1800" i="1"/>
+                                <a:rPr lang="en-US" altLang="ko-KR" sz="1800" i="1">
+                                  <a:latin typeface="Cambria Math" panose="02040503050406030204" pitchFamily="18" charset="0"/>
+                                </a:rPr>
                                 <m:t>𝑠</m:t>
                               </m:r>
                             </m:e>
                             <m:sub>
                               <m:r>
-                                <a:rPr lang="en-US" altLang="ko-KR" sz="1800" i="1"/>
+                                <a:rPr lang="en-US" altLang="ko-KR" sz="1800" i="1">
+                                  <a:latin typeface="Cambria Math" panose="02040503050406030204" pitchFamily="18" charset="0"/>
+                                </a:rPr>
                                 <m:t>𝑡</m:t>
                               </m:r>
                             </m:sub>
                           </m:sSub>
                           <m:r>
-                            <a:rPr lang="en-US" altLang="ko-KR" sz="1800" i="1"/>
+                            <a:rPr lang="en-US" altLang="ko-KR" sz="1800" i="1">
+                              <a:latin typeface="Cambria Math" panose="02040503050406030204" pitchFamily="18" charset="0"/>
+                            </a:rPr>
                             <m:t>)</m:t>
                           </m:r>
                         </m:num>
@@ -14230,12 +14396,16 @@
                           <m:sSub>
                             <m:sSubPr>
                               <m:ctrlPr>
-                                <a:rPr lang="ko-KR" altLang="ko-KR" sz="1800" i="1"/>
+                                <a:rPr lang="ko-KR" altLang="ko-KR" sz="1800" i="1">
+                                  <a:latin typeface="Cambria Math" panose="02040503050406030204" pitchFamily="18" charset="0"/>
+                                </a:rPr>
                               </m:ctrlPr>
                             </m:sSubPr>
                             <m:e>
                               <m:r>
-                                <a:rPr lang="en-US" altLang="ko-KR" sz="1800" i="1"/>
+                                <a:rPr lang="en-US" altLang="ko-KR" sz="1800" i="1">
+                                  <a:latin typeface="Cambria Math" panose="02040503050406030204" pitchFamily="18" charset="0"/>
+                                </a:rPr>
                                 <m:t>𝜋</m:t>
                               </m:r>
                             </m:e>
@@ -14243,12 +14413,16 @@
                               <m:sSub>
                                 <m:sSubPr>
                                   <m:ctrlPr>
-                                    <a:rPr lang="ko-KR" altLang="ko-KR" sz="1800" i="1"/>
+                                    <a:rPr lang="ko-KR" altLang="ko-KR" sz="1800" i="1">
+                                      <a:latin typeface="Cambria Math" panose="02040503050406030204" pitchFamily="18" charset="0"/>
+                                    </a:rPr>
                                   </m:ctrlPr>
                                 </m:sSubPr>
                                 <m:e>
                                   <m:r>
-                                    <a:rPr lang="en-US" altLang="ko-KR" sz="1800" i="1"/>
+                                    <a:rPr lang="en-US" altLang="ko-KR" sz="1800" i="1">
+                                      <a:latin typeface="Cambria Math" panose="02040503050406030204" pitchFamily="18" charset="0"/>
+                                    </a:rPr>
                                     <m:t>𝜃</m:t>
                                   </m:r>
                                 </m:e>
@@ -14265,53 +14439,71 @@
                             </m:sub>
                           </m:sSub>
                           <m:r>
-                            <a:rPr lang="en-US" altLang="ko-KR" sz="1800" i="1"/>
+                            <a:rPr lang="en-US" altLang="ko-KR" sz="1800" i="1">
+                              <a:latin typeface="Cambria Math" panose="02040503050406030204" pitchFamily="18" charset="0"/>
+                            </a:rPr>
                             <m:t>(</m:t>
                           </m:r>
                           <m:sSub>
                             <m:sSubPr>
                               <m:ctrlPr>
-                                <a:rPr lang="ko-KR" altLang="ko-KR" sz="1800" i="1"/>
+                                <a:rPr lang="ko-KR" altLang="ko-KR" sz="1800" i="1">
+                                  <a:latin typeface="Cambria Math" panose="02040503050406030204" pitchFamily="18" charset="0"/>
+                                </a:rPr>
                               </m:ctrlPr>
                             </m:sSubPr>
                             <m:e>
                               <m:r>
-                                <a:rPr lang="en-US" altLang="ko-KR" sz="1800" i="1"/>
+                                <a:rPr lang="en-US" altLang="ko-KR" sz="1800" i="1">
+                                  <a:latin typeface="Cambria Math" panose="02040503050406030204" pitchFamily="18" charset="0"/>
+                                </a:rPr>
                                 <m:t>𝑎</m:t>
                               </m:r>
                             </m:e>
                             <m:sub>
                               <m:r>
-                                <a:rPr lang="en-US" altLang="ko-KR" sz="1800" i="1"/>
+                                <a:rPr lang="en-US" altLang="ko-KR" sz="1800" i="1">
+                                  <a:latin typeface="Cambria Math" panose="02040503050406030204" pitchFamily="18" charset="0"/>
+                                </a:rPr>
                                 <m:t>𝑡</m:t>
                               </m:r>
                             </m:sub>
                           </m:sSub>
                           <m:r>
-                            <a:rPr lang="en-US" altLang="ko-KR" sz="1800"/>
+                            <a:rPr lang="en-US" altLang="ko-KR" sz="1800">
+                              <a:latin typeface="Cambria Math" panose="02040503050406030204" pitchFamily="18" charset="0"/>
+                            </a:rPr>
                             <m:t>∣</m:t>
                           </m:r>
                           <m:sSub>
                             <m:sSubPr>
                               <m:ctrlPr>
-                                <a:rPr lang="ko-KR" altLang="ko-KR" sz="1800" i="1"/>
+                                <a:rPr lang="ko-KR" altLang="ko-KR" sz="1800" i="1">
+                                  <a:latin typeface="Cambria Math" panose="02040503050406030204" pitchFamily="18" charset="0"/>
+                                </a:rPr>
                               </m:ctrlPr>
                             </m:sSubPr>
                             <m:e>
                               <m:r>
-                                <a:rPr lang="en-US" altLang="ko-KR" sz="1800" i="1"/>
+                                <a:rPr lang="en-US" altLang="ko-KR" sz="1800" i="1">
+                                  <a:latin typeface="Cambria Math" panose="02040503050406030204" pitchFamily="18" charset="0"/>
+                                </a:rPr>
                                 <m:t>𝑠</m:t>
                               </m:r>
                             </m:e>
                             <m:sub>
                               <m:r>
-                                <a:rPr lang="en-US" altLang="ko-KR" sz="1800" i="1"/>
+                                <a:rPr lang="en-US" altLang="ko-KR" sz="1800" i="1">
+                                  <a:latin typeface="Cambria Math" panose="02040503050406030204" pitchFamily="18" charset="0"/>
+                                </a:rPr>
                                 <m:t>𝑡</m:t>
                               </m:r>
                             </m:sub>
                           </m:sSub>
                           <m:r>
-                            <a:rPr lang="en-US" altLang="ko-KR" sz="1800" i="1"/>
+                            <a:rPr lang="en-US" altLang="ko-KR" sz="1800" i="1">
+                              <a:latin typeface="Cambria Math" panose="02040503050406030204" pitchFamily="18" charset="0"/>
+                            </a:rPr>
                             <m:t>)</m:t>
                           </m:r>
                         </m:den>
@@ -14380,135 +14572,187 @@
                     </m:oMathParaPr>
                     <m:oMath xmlns:m="http://schemas.openxmlformats.org/officeDocument/2006/math">
                       <m:r>
-                        <a:rPr lang="en-US" altLang="ko-KR" sz="1800" i="1"/>
+                        <a:rPr lang="en-US" altLang="ko-KR" sz="1800" i="1">
+                          <a:latin typeface="Cambria Math" panose="02040503050406030204" pitchFamily="18" charset="0"/>
+                        </a:rPr>
                         <m:t>𝐿</m:t>
                       </m:r>
                       <m:r>
-                        <a:rPr lang="en-US" altLang="ko-KR" sz="1800" i="1"/>
+                        <a:rPr lang="en-US" altLang="ko-KR" sz="1800" i="1">
+                          <a:latin typeface="Cambria Math" panose="02040503050406030204" pitchFamily="18" charset="0"/>
+                        </a:rPr>
                         <m:t>=−</m:t>
                       </m:r>
                       <m:sSub>
                         <m:sSubPr>
                           <m:ctrlPr>
-                            <a:rPr lang="ko-KR" altLang="ko-KR" sz="1800" i="1"/>
+                            <a:rPr lang="ko-KR" altLang="ko-KR" sz="1800" i="1">
+                              <a:latin typeface="Cambria Math" panose="02040503050406030204" pitchFamily="18" charset="0"/>
+                            </a:rPr>
                           </m:ctrlPr>
                         </m:sSubPr>
                         <m:e>
                           <m:r>
-                            <a:rPr lang="en-US" altLang="ko-KR" sz="1800" i="1"/>
+                            <a:rPr lang="en-US" altLang="ko-KR" sz="1800" i="1">
+                              <a:latin typeface="Cambria Math" panose="02040503050406030204" pitchFamily="18" charset="0"/>
+                            </a:rPr>
                             <m:t>𝐿</m:t>
                           </m:r>
                         </m:e>
                         <m:sub>
                           <m:r>
-                            <a:rPr lang="en-US" altLang="ko-KR" sz="1800" i="1"/>
+                            <a:rPr lang="en-US" altLang="ko-KR" sz="1800" i="1">
+                              <a:latin typeface="Cambria Math" panose="02040503050406030204" pitchFamily="18" charset="0"/>
+                            </a:rPr>
                             <m:t>𝑝𝑝𝑜</m:t>
                           </m:r>
                         </m:sub>
                       </m:sSub>
                       <m:r>
-                        <a:rPr lang="en-US" altLang="ko-KR" sz="1800" i="1"/>
+                        <a:rPr lang="en-US" altLang="ko-KR" sz="1800" i="1">
+                          <a:latin typeface="Cambria Math" panose="02040503050406030204" pitchFamily="18" charset="0"/>
+                        </a:rPr>
                         <m:t>+</m:t>
                       </m:r>
                       <m:sSub>
                         <m:sSubPr>
                           <m:ctrlPr>
-                            <a:rPr lang="ko-KR" altLang="ko-KR" sz="1800" i="1"/>
+                            <a:rPr lang="ko-KR" altLang="ko-KR" sz="1800" i="1">
+                              <a:latin typeface="Cambria Math" panose="02040503050406030204" pitchFamily="18" charset="0"/>
+                            </a:rPr>
                           </m:ctrlPr>
                         </m:sSubPr>
                         <m:e>
                           <m:r>
-                            <a:rPr lang="en-US" altLang="ko-KR" sz="1800" i="1"/>
+                            <a:rPr lang="en-US" altLang="ko-KR" sz="1800" i="1">
+                              <a:latin typeface="Cambria Math" panose="02040503050406030204" pitchFamily="18" charset="0"/>
+                            </a:rPr>
                             <m:t>𝑐</m:t>
                           </m:r>
                         </m:e>
                         <m:sub>
                           <m:r>
-                            <a:rPr lang="en-US" altLang="ko-KR" sz="1800" i="1"/>
+                            <a:rPr lang="en-US" altLang="ko-KR" sz="1800" i="1">
+                              <a:latin typeface="Cambria Math" panose="02040503050406030204" pitchFamily="18" charset="0"/>
+                            </a:rPr>
                             <m:t>𝑣</m:t>
                           </m:r>
                         </m:sub>
                       </m:sSub>
                       <m:r>
-                        <a:rPr lang="en-US" altLang="ko-KR" sz="1800" i="1"/>
+                        <a:rPr lang="en-US" altLang="ko-KR" sz="1800" i="1">
+                          <a:latin typeface="Cambria Math" panose="02040503050406030204" pitchFamily="18" charset="0"/>
+                        </a:rPr>
                         <m:t>(</m:t>
                       </m:r>
                       <m:r>
-                        <a:rPr lang="en-US" altLang="ko-KR" sz="1800" i="1"/>
+                        <a:rPr lang="en-US" altLang="ko-KR" sz="1800" i="1">
+                          <a:latin typeface="Cambria Math" panose="02040503050406030204" pitchFamily="18" charset="0"/>
+                        </a:rPr>
                         <m:t>𝑉</m:t>
                       </m:r>
                       <m:r>
-                        <a:rPr lang="en-US" altLang="ko-KR" sz="1800" i="1"/>
+                        <a:rPr lang="en-US" altLang="ko-KR" sz="1800" i="1">
+                          <a:latin typeface="Cambria Math" panose="02040503050406030204" pitchFamily="18" charset="0"/>
+                        </a:rPr>
                         <m:t>(</m:t>
                       </m:r>
                       <m:r>
-                        <a:rPr lang="en-US" altLang="ko-KR" sz="1800" i="1"/>
+                        <a:rPr lang="en-US" altLang="ko-KR" sz="1800" i="1">
+                          <a:latin typeface="Cambria Math" panose="02040503050406030204" pitchFamily="18" charset="0"/>
+                        </a:rPr>
                         <m:t>𝑠</m:t>
                       </m:r>
                       <m:r>
-                        <a:rPr lang="en-US" altLang="ko-KR" sz="1800" i="1"/>
+                        <a:rPr lang="en-US" altLang="ko-KR" sz="1800" i="1">
+                          <a:latin typeface="Cambria Math" panose="02040503050406030204" pitchFamily="18" charset="0"/>
+                        </a:rPr>
                         <m:t>)−</m:t>
                       </m:r>
                       <m:r>
-                        <a:rPr lang="en-US" altLang="ko-KR" sz="1800" i="1"/>
+                        <a:rPr lang="en-US" altLang="ko-KR" sz="1800" i="1">
+                          <a:latin typeface="Cambria Math" panose="02040503050406030204" pitchFamily="18" charset="0"/>
+                        </a:rPr>
                         <m:t>𝑅</m:t>
                       </m:r>
                       <m:sSup>
                         <m:sSupPr>
                           <m:ctrlPr>
-                            <a:rPr lang="ko-KR" altLang="ko-KR" sz="1800" i="1"/>
+                            <a:rPr lang="ko-KR" altLang="ko-KR" sz="1800" i="1">
+                              <a:latin typeface="Cambria Math" panose="02040503050406030204" pitchFamily="18" charset="0"/>
+                            </a:rPr>
                           </m:ctrlPr>
                         </m:sSupPr>
                         <m:e>
                           <m:r>
-                            <a:rPr lang="en-US" altLang="ko-KR" sz="1800" i="1"/>
+                            <a:rPr lang="en-US" altLang="ko-KR" sz="1800" i="1">
+                              <a:latin typeface="Cambria Math" panose="02040503050406030204" pitchFamily="18" charset="0"/>
+                            </a:rPr>
                             <m:t>)</m:t>
                           </m:r>
                         </m:e>
                         <m:sup>
                           <m:r>
-                            <a:rPr lang="en-US" altLang="ko-KR" sz="1800" i="1"/>
+                            <a:rPr lang="en-US" altLang="ko-KR" sz="1800" i="1">
+                              <a:latin typeface="Cambria Math" panose="02040503050406030204" pitchFamily="18" charset="0"/>
+                            </a:rPr>
                             <m:t>2</m:t>
                           </m:r>
                         </m:sup>
                       </m:sSup>
                       <m:r>
-                        <a:rPr lang="en-US" altLang="ko-KR" sz="1800" i="1"/>
+                        <a:rPr lang="en-US" altLang="ko-KR" sz="1800" i="1">
+                          <a:latin typeface="Cambria Math" panose="02040503050406030204" pitchFamily="18" charset="0"/>
+                        </a:rPr>
                         <m:t>−</m:t>
                       </m:r>
                       <m:sSub>
                         <m:sSubPr>
                           <m:ctrlPr>
-                            <a:rPr lang="ko-KR" altLang="ko-KR" sz="1800" i="1"/>
+                            <a:rPr lang="ko-KR" altLang="ko-KR" sz="1800" i="1">
+                              <a:latin typeface="Cambria Math" panose="02040503050406030204" pitchFamily="18" charset="0"/>
+                            </a:rPr>
                           </m:ctrlPr>
                         </m:sSubPr>
                         <m:e>
                           <m:r>
-                            <a:rPr lang="en-US" altLang="ko-KR" sz="1800" i="1"/>
+                            <a:rPr lang="en-US" altLang="ko-KR" sz="1800" i="1">
+                              <a:latin typeface="Cambria Math" panose="02040503050406030204" pitchFamily="18" charset="0"/>
+                            </a:rPr>
                             <m:t>𝑐</m:t>
                           </m:r>
                         </m:e>
                         <m:sub>
                           <m:r>
-                            <a:rPr lang="en-US" altLang="ko-KR" sz="1800" i="1"/>
+                            <a:rPr lang="en-US" altLang="ko-KR" sz="1800" i="1">
+                              <a:latin typeface="Cambria Math" panose="02040503050406030204" pitchFamily="18" charset="0"/>
+                            </a:rPr>
                             <m:t>𝑒</m:t>
                           </m:r>
                         </m:sub>
                       </m:sSub>
                       <m:r>
-                        <a:rPr lang="en-US" altLang="ko-KR" sz="1800" i="1"/>
+                        <a:rPr lang="en-US" altLang="ko-KR" sz="1800" i="1">
+                          <a:latin typeface="Cambria Math" panose="02040503050406030204" pitchFamily="18" charset="0"/>
+                        </a:rPr>
                         <m:t>𝐻</m:t>
                       </m:r>
                       <m:r>
-                        <a:rPr lang="en-US" altLang="ko-KR" sz="1800" i="1"/>
+                        <a:rPr lang="en-US" altLang="ko-KR" sz="1800" i="1">
+                          <a:latin typeface="Cambria Math" panose="02040503050406030204" pitchFamily="18" charset="0"/>
+                        </a:rPr>
                         <m:t>[</m:t>
                       </m:r>
                       <m:r>
-                        <a:rPr lang="en-US" altLang="ko-KR" sz="1800" i="1"/>
+                        <a:rPr lang="en-US" altLang="ko-KR" sz="1800" i="1">
+                          <a:latin typeface="Cambria Math" panose="02040503050406030204" pitchFamily="18" charset="0"/>
+                        </a:rPr>
                         <m:t>𝜋</m:t>
                       </m:r>
                       <m:r>
-                        <a:rPr lang="en-US" altLang="ko-KR" sz="1800" i="1"/>
+                        <a:rPr lang="en-US" altLang="ko-KR" sz="1800" i="1">
+                          <a:latin typeface="Cambria Math" panose="02040503050406030204" pitchFamily="18" charset="0"/>
+                        </a:rPr>
                         <m:t>]</m:t>
                       </m:r>
                     </m:oMath>
@@ -14523,7 +14767,7 @@
             </p:txBody>
           </p:sp>
         </mc:Choice>
-        <mc:Fallback>
+        <mc:Fallback xmlns="">
           <p:sp>
             <p:nvSpPr>
               <p:cNvPr id="6" name="내용 개체 틀 2">
@@ -15853,8 +16097,8 @@
           </a:p>
         </p:txBody>
       </p:sp>
-      <mc:AlternateContent xmlns:mc="http://schemas.openxmlformats.org/markup-compatibility/2006">
-        <mc:Choice xmlns:a14="http://schemas.microsoft.com/office/drawing/2010/main" Requires="a14">
+      <mc:AlternateContent xmlns:mc="http://schemas.openxmlformats.org/markup-compatibility/2006" xmlns:a14="http://schemas.microsoft.com/office/drawing/2010/main">
+        <mc:Choice Requires="a14">
           <p:sp>
             <p:nvSpPr>
               <p:cNvPr id="6" name="내용 개체 틀 2">
@@ -16126,11 +16370,15 @@
                     </m:oMathParaPr>
                     <m:oMath xmlns:m="http://schemas.openxmlformats.org/officeDocument/2006/math">
                       <m:r>
-                        <a:rPr lang="en-US" altLang="ko-KR" sz="1800" i="1"/>
+                        <a:rPr lang="en-US" altLang="ko-KR" sz="1800" i="1">
+                          <a:latin typeface="Cambria Math" panose="02040503050406030204" pitchFamily="18" charset="0"/>
+                        </a:rPr>
                         <m:t>𝐺</m:t>
                       </m:r>
                       <m:r>
-                        <a:rPr lang="en-US" altLang="ko-KR" sz="1800" i="1"/>
+                        <a:rPr lang="en-US" altLang="ko-KR" sz="1800" i="1">
+                          <a:latin typeface="Cambria Math" panose="02040503050406030204" pitchFamily="18" charset="0"/>
+                        </a:rPr>
                         <m:t>=</m:t>
                       </m:r>
                       <m:nary>
@@ -16139,22 +16387,30 @@
                           <m:limLoc m:val="undOvr"/>
                           <m:grow m:val="on"/>
                           <m:ctrlPr>
-                            <a:rPr lang="ko-KR" altLang="ko-KR" sz="1800" i="1"/>
+                            <a:rPr lang="ko-KR" altLang="ko-KR" sz="1800" i="1">
+                              <a:latin typeface="Cambria Math" panose="02040503050406030204" pitchFamily="18" charset="0"/>
+                            </a:rPr>
                           </m:ctrlPr>
                         </m:naryPr>
                         <m:sub>
                           <m:r>
-                            <a:rPr lang="en-US" altLang="ko-KR" sz="1800" i="1"/>
+                            <a:rPr lang="en-US" altLang="ko-KR" sz="1800" i="1">
+                              <a:latin typeface="Cambria Math" panose="02040503050406030204" pitchFamily="18" charset="0"/>
+                            </a:rPr>
                             <m:t>𝑡</m:t>
                           </m:r>
                           <m:r>
-                            <a:rPr lang="en-US" altLang="ko-KR" sz="1800" i="1"/>
+                            <a:rPr lang="en-US" altLang="ko-KR" sz="1800" i="1">
+                              <a:latin typeface="Cambria Math" panose="02040503050406030204" pitchFamily="18" charset="0"/>
+                            </a:rPr>
                             <m:t>=0</m:t>
                           </m:r>
                         </m:sub>
                         <m:sup>
                           <m:r>
-                            <a:rPr lang="en-US" altLang="ko-KR" sz="1800" i="1"/>
+                            <a:rPr lang="en-US" altLang="ko-KR" sz="1800" i="1">
+                              <a:latin typeface="Cambria Math" panose="02040503050406030204" pitchFamily="18" charset="0"/>
+                            </a:rPr>
                             <m:t>𝑇</m:t>
                           </m:r>
                         </m:sup>
@@ -16162,18 +16418,24 @@
                           <m:sSub>
                             <m:sSubPr>
                               <m:ctrlPr>
-                                <a:rPr lang="ko-KR" altLang="ko-KR" sz="1800" i="1"/>
+                                <a:rPr lang="ko-KR" altLang="ko-KR" sz="1800" i="1">
+                                  <a:latin typeface="Cambria Math" panose="02040503050406030204" pitchFamily="18" charset="0"/>
+                                </a:rPr>
                               </m:ctrlPr>
                             </m:sSubPr>
                             <m:e>
                               <m:r>
-                                <a:rPr lang="en-US" altLang="ko-KR" sz="1800" i="1"/>
+                                <a:rPr lang="en-US" altLang="ko-KR" sz="1800" i="1">
+                                  <a:latin typeface="Cambria Math" panose="02040503050406030204" pitchFamily="18" charset="0"/>
+                                </a:rPr>
                                 <m:t>𝑟</m:t>
                               </m:r>
                             </m:e>
                             <m:sub>
                               <m:r>
-                                <a:rPr lang="en-US" altLang="ko-KR" sz="1800" i="1"/>
+                                <a:rPr lang="en-US" altLang="ko-KR" sz="1800" i="1">
+                                  <a:latin typeface="Cambria Math" panose="02040503050406030204" pitchFamily="18" charset="0"/>
+                                </a:rPr>
                                 <m:t>𝑡</m:t>
                               </m:r>
                             </m:sub>
@@ -16262,7 +16524,7 @@
             </p:txBody>
           </p:sp>
         </mc:Choice>
-        <mc:Fallback>
+        <mc:Fallback xmlns="">
           <p:sp>
             <p:nvSpPr>
               <p:cNvPr id="6" name="내용 개체 틀 2">
@@ -16703,8 +16965,8 @@
           </a:p>
         </p:txBody>
       </p:sp>
-      <mc:AlternateContent xmlns:mc="http://schemas.openxmlformats.org/markup-compatibility/2006">
-        <mc:Choice xmlns:a14="http://schemas.microsoft.com/office/drawing/2010/main" Requires="a14">
+      <mc:AlternateContent xmlns:mc="http://schemas.openxmlformats.org/markup-compatibility/2006" xmlns:a14="http://schemas.microsoft.com/office/drawing/2010/main">
+        <mc:Choice Requires="a14">
           <p:sp>
             <p:nvSpPr>
               <p:cNvPr id="6" name="내용 개체 틀 2">
@@ -16948,7 +17210,9 @@
                         <m:t>Complete</m:t>
                       </m:r>
                       <m:r>
-                        <a:rPr lang="en-US" altLang="ko-KR" sz="1800" i="1"/>
+                        <a:rPr lang="en-US" altLang="ko-KR" sz="1800" i="1">
+                          <a:latin typeface="Cambria Math" panose="02040503050406030204" pitchFamily="18" charset="0"/>
+                        </a:rPr>
                         <m:t>={</m:t>
                       </m:r>
                       <m:m>
@@ -16963,34 +17227,92 @@
                             </m:mc>
                           </m:mcs>
                           <m:ctrlPr>
-                            <a:rPr lang="ko-KR" altLang="ko-KR" sz="1800" i="1"/>
+                            <a:rPr lang="ko-KR" altLang="ko-KR" sz="1800" i="1">
+                              <a:latin typeface="Cambria Math" panose="02040503050406030204" pitchFamily="18" charset="0"/>
+                            </a:rPr>
                           </m:ctrlPr>
                         </m:mPr>
                         <m:mr>
                           <m:e>
                             <m:r>
-                              <a:rPr lang="en-US" altLang="ko-KR" sz="1800" i="1"/>
+                              <a:rPr lang="en-US" altLang="ko-KR" sz="1800" i="1">
+                                <a:latin typeface="Cambria Math" panose="02040503050406030204" pitchFamily="18" charset="0"/>
+                              </a:rPr>
                               <m:t>1</m:t>
                             </m:r>
                           </m:e>
                           <m:e>
                             <m:r>
-                              <a:rPr lang="ko-KR" altLang="ko-KR" sz="1800"/>
-                              <m:t>모든 칸이 채워진 경우</m:t>
+                              <a:rPr lang="ko-KR" altLang="ko-KR" sz="1800">
+                                <a:latin typeface="Cambria Math" panose="02040503050406030204" pitchFamily="18" charset="0"/>
+                              </a:rPr>
+                              <m:t>모든</m:t>
+                            </m:r>
+                            <m:r>
+                              <a:rPr lang="ko-KR" altLang="ko-KR" sz="1800">
+                                <a:latin typeface="Cambria Math" panose="02040503050406030204" pitchFamily="18" charset="0"/>
+                              </a:rPr>
+                              <m:t> </m:t>
+                            </m:r>
+                            <m:r>
+                              <a:rPr lang="ko-KR" altLang="ko-KR" sz="1800">
+                                <a:latin typeface="Cambria Math" panose="02040503050406030204" pitchFamily="18" charset="0"/>
+                              </a:rPr>
+                              <m:t>칸이</m:t>
+                            </m:r>
+                            <m:r>
+                              <a:rPr lang="ko-KR" altLang="ko-KR" sz="1800">
+                                <a:latin typeface="Cambria Math" panose="02040503050406030204" pitchFamily="18" charset="0"/>
+                              </a:rPr>
+                              <m:t> </m:t>
+                            </m:r>
+                            <m:r>
+                              <a:rPr lang="ko-KR" altLang="ko-KR" sz="1800">
+                                <a:latin typeface="Cambria Math" panose="02040503050406030204" pitchFamily="18" charset="0"/>
+                              </a:rPr>
+                              <m:t>채워진</m:t>
+                            </m:r>
+                            <m:r>
+                              <a:rPr lang="ko-KR" altLang="ko-KR" sz="1800">
+                                <a:latin typeface="Cambria Math" panose="02040503050406030204" pitchFamily="18" charset="0"/>
+                              </a:rPr>
+                              <m:t> </m:t>
+                            </m:r>
+                            <m:r>
+                              <a:rPr lang="ko-KR" altLang="ko-KR" sz="1800">
+                                <a:latin typeface="Cambria Math" panose="02040503050406030204" pitchFamily="18" charset="0"/>
+                              </a:rPr>
+                              <m:t>경우</m:t>
                             </m:r>
                           </m:e>
                         </m:mr>
                         <m:mr>
                           <m:e>
                             <m:r>
-                              <a:rPr lang="en-US" altLang="ko-KR" sz="1800" i="1"/>
+                              <a:rPr lang="en-US" altLang="ko-KR" sz="1800" i="1">
+                                <a:latin typeface="Cambria Math" panose="02040503050406030204" pitchFamily="18" charset="0"/>
+                              </a:rPr>
                               <m:t>0</m:t>
                             </m:r>
                           </m:e>
                           <m:e>
                             <m:r>
-                              <a:rPr lang="ko-KR" altLang="ko-KR" sz="1800"/>
-                              <m:t>그 외</m:t>
+                              <a:rPr lang="ko-KR" altLang="ko-KR" sz="1800">
+                                <a:latin typeface="Cambria Math" panose="02040503050406030204" pitchFamily="18" charset="0"/>
+                              </a:rPr>
+                              <m:t>그</m:t>
+                            </m:r>
+                            <m:r>
+                              <a:rPr lang="ko-KR" altLang="ko-KR" sz="1800">
+                                <a:latin typeface="Cambria Math" panose="02040503050406030204" pitchFamily="18" charset="0"/>
+                              </a:rPr>
+                              <m:t> </m:t>
+                            </m:r>
+                            <m:r>
+                              <a:rPr lang="ko-KR" altLang="ko-KR" sz="1800">
+                                <a:latin typeface="Cambria Math" panose="02040503050406030204" pitchFamily="18" charset="0"/>
+                              </a:rPr>
+                              <m:t>외</m:t>
                             </m:r>
                           </m:e>
                         </m:mr>
@@ -17136,7 +17458,7 @@
             </p:txBody>
           </p:sp>
         </mc:Choice>
-        <mc:Fallback>
+        <mc:Fallback xmlns="">
           <p:sp>
             <p:nvSpPr>
               <p:cNvPr id="6" name="내용 개체 틀 2">
@@ -17800,8 +18122,8 @@
           </a:p>
         </p:txBody>
       </p:sp>
-      <mc:AlternateContent xmlns:mc="http://schemas.openxmlformats.org/markup-compatibility/2006">
-        <mc:Choice xmlns:a14="http://schemas.microsoft.com/office/drawing/2010/main" Requires="a14">
+      <mc:AlternateContent xmlns:mc="http://schemas.openxmlformats.org/markup-compatibility/2006" xmlns:a14="http://schemas.microsoft.com/office/drawing/2010/main">
+        <mc:Choice Requires="a14">
           <p:sp>
             <p:nvSpPr>
               <p:cNvPr id="6" name="내용 개체 틀 2">
@@ -18057,11 +18379,15 @@
                     </m:oMathParaPr>
                     <m:oMath xmlns:m="http://schemas.openxmlformats.org/officeDocument/2006/math">
                       <m:r>
-                        <a:rPr lang="en-US" altLang="ko-KR" sz="1600" i="1"/>
+                        <a:rPr lang="en-US" altLang="ko-KR" sz="1600" i="1">
+                          <a:latin typeface="Cambria Math" panose="02040503050406030204" pitchFamily="18" charset="0"/>
+                        </a:rPr>
                         <m:t>𝑞𝑢𝑎𝑙𝑖𝑡𝑦</m:t>
                       </m:r>
                       <m:r>
-                        <a:rPr lang="en-US" altLang="ko-KR" sz="1600" i="1"/>
+                        <a:rPr lang="en-US" altLang="ko-KR" sz="1600" i="1">
+                          <a:latin typeface="Cambria Math" panose="02040503050406030204" pitchFamily="18" charset="0"/>
+                        </a:rPr>
                         <m:t>=#</m:t>
                       </m:r>
                       <m:d>
@@ -18069,83 +18395,119 @@
                           <m:begChr m:val="{"/>
                           <m:endChr m:val="}"/>
                           <m:ctrlPr>
-                            <a:rPr lang="ko-KR" altLang="ko-KR" sz="1600" i="1"/>
+                            <a:rPr lang="ko-KR" altLang="ko-KR" sz="1600" i="1">
+                              <a:latin typeface="Cambria Math" panose="02040503050406030204" pitchFamily="18" charset="0"/>
+                            </a:rPr>
                           </m:ctrlPr>
                         </m:dPr>
                         <m:e>
                           <m:r>
-                            <a:rPr lang="en-US" altLang="ko-KR" sz="1600" i="1"/>
+                            <a:rPr lang="en-US" altLang="ko-KR" sz="1600" i="1">
+                              <a:latin typeface="Cambria Math" panose="02040503050406030204" pitchFamily="18" charset="0"/>
+                            </a:rPr>
                             <m:t>(</m:t>
                           </m:r>
                           <m:r>
-                            <a:rPr lang="en-US" altLang="ko-KR" sz="1600" i="1"/>
+                            <a:rPr lang="en-US" altLang="ko-KR" sz="1600" i="1">
+                              <a:latin typeface="Cambria Math" panose="02040503050406030204" pitchFamily="18" charset="0"/>
+                            </a:rPr>
                             <m:t>𝑟</m:t>
                           </m:r>
                           <m:r>
-                            <a:rPr lang="en-US" altLang="ko-KR" sz="1600" i="1"/>
+                            <a:rPr lang="en-US" altLang="ko-KR" sz="1600" i="1">
+                              <a:latin typeface="Cambria Math" panose="02040503050406030204" pitchFamily="18" charset="0"/>
+                            </a:rPr>
                             <m:t>,</m:t>
                           </m:r>
                           <m:r>
-                            <a:rPr lang="en-US" altLang="ko-KR" sz="1600" i="1"/>
+                            <a:rPr lang="en-US" altLang="ko-KR" sz="1600" i="1">
+                              <a:latin typeface="Cambria Math" panose="02040503050406030204" pitchFamily="18" charset="0"/>
+                            </a:rPr>
                             <m:t>𝑐</m:t>
                           </m:r>
                           <m:r>
-                            <a:rPr lang="en-US" altLang="ko-KR" sz="1600" i="1"/>
+                            <a:rPr lang="en-US" altLang="ko-KR" sz="1600" i="1">
+                              <a:latin typeface="Cambria Math" panose="02040503050406030204" pitchFamily="18" charset="0"/>
+                            </a:rPr>
                             <m:t>)</m:t>
                           </m:r>
                         </m:e>
                         <m:e>
                           <m:r>
-                            <a:rPr lang="en-US" altLang="ko-KR" sz="1600" i="1"/>
+                            <a:rPr lang="en-US" altLang="ko-KR" sz="1600" i="1">
+                              <a:latin typeface="Cambria Math" panose="02040503050406030204" pitchFamily="18" charset="0"/>
+                            </a:rPr>
                             <m:t>𝑠𝑡𝑎𝑡𝑒</m:t>
                           </m:r>
                           <m:d>
                             <m:dPr>
                               <m:ctrlPr>
-                                <a:rPr lang="ko-KR" altLang="ko-KR" sz="1600" i="1"/>
+                                <a:rPr lang="ko-KR" altLang="ko-KR" sz="1600" i="1">
+                                  <a:latin typeface="Cambria Math" panose="02040503050406030204" pitchFamily="18" charset="0"/>
+                                </a:rPr>
                               </m:ctrlPr>
                             </m:dPr>
                             <m:e>
                               <m:r>
-                                <a:rPr lang="en-US" altLang="ko-KR" sz="1600" i="1"/>
+                                <a:rPr lang="en-US" altLang="ko-KR" sz="1600" i="1">
+                                  <a:latin typeface="Cambria Math" panose="02040503050406030204" pitchFamily="18" charset="0"/>
+                                </a:rPr>
                                 <m:t>𝑟</m:t>
                               </m:r>
                               <m:r>
-                                <a:rPr lang="en-US" altLang="ko-KR" sz="1600" i="1"/>
+                                <a:rPr lang="en-US" altLang="ko-KR" sz="1600" i="1">
+                                  <a:latin typeface="Cambria Math" panose="02040503050406030204" pitchFamily="18" charset="0"/>
+                                </a:rPr>
                                 <m:t>,</m:t>
                               </m:r>
                               <m:r>
-                                <a:rPr lang="en-US" altLang="ko-KR" sz="1600" i="1"/>
+                                <a:rPr lang="en-US" altLang="ko-KR" sz="1600" i="1">
+                                  <a:latin typeface="Cambria Math" panose="02040503050406030204" pitchFamily="18" charset="0"/>
+                                </a:rPr>
                                 <m:t>𝑐</m:t>
                               </m:r>
                             </m:e>
                           </m:d>
                           <m:r>
-                            <a:rPr lang="en-US" altLang="ko-KR" sz="1600" i="1"/>
+                            <a:rPr lang="en-US" altLang="ko-KR" sz="1600" i="1">
+                              <a:latin typeface="Cambria Math" panose="02040503050406030204" pitchFamily="18" charset="0"/>
+                            </a:rPr>
                             <m:t>=</m:t>
                           </m:r>
                           <m:r>
-                            <a:rPr lang="en-US" altLang="ko-KR" sz="1600" i="1"/>
+                            <a:rPr lang="en-US" altLang="ko-KR" sz="1600" i="1">
+                              <a:latin typeface="Cambria Math" panose="02040503050406030204" pitchFamily="18" charset="0"/>
+                            </a:rPr>
                             <m:t>𝑠𝑖𝑙𝑢𝑡𝑖𝑜𝑛</m:t>
                           </m:r>
                           <m:r>
-                            <a:rPr lang="en-US" altLang="ko-KR" sz="1600" i="1"/>
+                            <a:rPr lang="en-US" altLang="ko-KR" sz="1600" i="1">
+                              <a:latin typeface="Cambria Math" panose="02040503050406030204" pitchFamily="18" charset="0"/>
+                            </a:rPr>
                             <m:t>(</m:t>
                           </m:r>
                           <m:r>
-                            <a:rPr lang="en-US" altLang="ko-KR" sz="1600" i="1"/>
+                            <a:rPr lang="en-US" altLang="ko-KR" sz="1600" i="1">
+                              <a:latin typeface="Cambria Math" panose="02040503050406030204" pitchFamily="18" charset="0"/>
+                            </a:rPr>
                             <m:t>𝑟</m:t>
                           </m:r>
                           <m:r>
-                            <a:rPr lang="en-US" altLang="ko-KR" sz="1600" i="1"/>
+                            <a:rPr lang="en-US" altLang="ko-KR" sz="1600" i="1">
+                              <a:latin typeface="Cambria Math" panose="02040503050406030204" pitchFamily="18" charset="0"/>
+                            </a:rPr>
                             <m:t>,</m:t>
                           </m:r>
                           <m:r>
-                            <a:rPr lang="en-US" altLang="ko-KR" sz="1600" i="1"/>
+                            <a:rPr lang="en-US" altLang="ko-KR" sz="1600" i="1">
+                              <a:latin typeface="Cambria Math" panose="02040503050406030204" pitchFamily="18" charset="0"/>
+                            </a:rPr>
                             <m:t>𝑐</m:t>
                           </m:r>
                           <m:r>
-                            <a:rPr lang="en-US" altLang="ko-KR" sz="1600" i="1"/>
+                            <a:rPr lang="en-US" altLang="ko-KR" sz="1600" i="1">
+                              <a:latin typeface="Cambria Math" panose="02040503050406030204" pitchFamily="18" charset="0"/>
+                            </a:rPr>
                             <m:t>)</m:t>
                           </m:r>
                         </m:e>
@@ -18292,7 +18654,7 @@
             </p:txBody>
           </p:sp>
         </mc:Choice>
-        <mc:Fallback>
+        <mc:Fallback xmlns="">
           <p:sp>
             <p:nvSpPr>
               <p:cNvPr id="6" name="내용 개체 틀 2">
@@ -29927,8 +30289,44 @@
         </p:blipFill>
         <p:spPr>
           <a:xfrm>
-            <a:off x="4382958" y="3062616"/>
+            <a:off x="1462477" y="3095273"/>
             <a:ext cx="3426084" cy="2944733"/>
+          </a:xfrm>
+          <a:prstGeom prst="rect">
+            <a:avLst/>
+          </a:prstGeom>
+        </p:spPr>
+      </p:pic>
+      <p:pic>
+        <p:nvPicPr>
+          <p:cNvPr id="8" name="그림 7" descr="도표, 라인, 원, 스크린샷이(가) 표시된 사진&#10;&#10;AI 생성 콘텐츠는 정확하지 않을 수 있습니다.">
+            <a:extLst>
+              <a:ext uri="{FF2B5EF4-FFF2-40B4-BE49-F238E27FC236}">
+                <a16:creationId xmlns:a16="http://schemas.microsoft.com/office/drawing/2014/main" id="{C9A573C1-5E1F-02DC-3473-86823DD33339}"/>
+              </a:ext>
+            </a:extLst>
+          </p:cNvPr>
+          <p:cNvPicPr>
+            <a:picLocks noChangeAspect="1"/>
+          </p:cNvPicPr>
+          <p:nvPr/>
+        </p:nvPicPr>
+        <p:blipFill>
+          <a:blip r:embed="rId4">
+            <a:extLst>
+              <a:ext uri="{28A0092B-C50C-407E-A947-70E740481C1C}">
+                <a14:useLocalDpi xmlns:a14="http://schemas.microsoft.com/office/drawing/2010/main" val="0"/>
+              </a:ext>
+            </a:extLst>
+          </a:blip>
+          <a:stretch>
+            <a:fillRect/>
+          </a:stretch>
+        </p:blipFill>
+        <p:spPr>
+          <a:xfrm>
+            <a:off x="7266640" y="2987971"/>
+            <a:ext cx="3240000" cy="3240000"/>
           </a:xfrm>
           <a:prstGeom prst="rect">
             <a:avLst/>
@@ -32848,20 +33246,20 @@
 </file>
 
 <file path=customXml/item1.xml><?xml version="1.0" encoding="utf-8"?>
-<p:properties xmlns:p="http://schemas.microsoft.com/office/2006/metadata/properties" xmlns:xsi="http://www.w3.org/2001/XMLSchema-instance" xmlns:pc="http://schemas.microsoft.com/office/infopath/2007/PartnerControls">
-  <documentManagement>
-    <_activity xmlns="ef11e8bc-0be7-4783-881f-dcb2a8e0e298" xsi:nil="true"/>
-  </documentManagement>
-</p:properties>
-</file>
-
-<file path=customXml/item2.xml><?xml version="1.0" encoding="utf-8"?>
 <?mso-contentType ?>
 <FormTemplates xmlns="http://schemas.microsoft.com/sharepoint/v3/contenttype/forms">
   <Display>DocumentLibraryForm</Display>
   <Edit>DocumentLibraryForm</Edit>
   <New>DocumentLibraryForm</New>
 </FormTemplates>
+</file>
+
+<file path=customXml/item2.xml><?xml version="1.0" encoding="utf-8"?>
+<p:properties xmlns:p="http://schemas.microsoft.com/office/2006/metadata/properties" xmlns:xsi="http://www.w3.org/2001/XMLSchema-instance" xmlns:pc="http://schemas.microsoft.com/office/infopath/2007/PartnerControls">
+  <documentManagement>
+    <_activity xmlns="ef11e8bc-0be7-4783-881f-dcb2a8e0e298" xsi:nil="true"/>
+  </documentManagement>
+</p:properties>
 </file>
 
 <file path=customXml/item3.xml><?xml version="1.0" encoding="utf-8"?>
@@ -33021,6 +33419,14 @@
 </file>
 
 <file path=customXml/itemProps1.xml><?xml version="1.0" encoding="utf-8"?>
+<ds:datastoreItem xmlns:ds="http://schemas.openxmlformats.org/officeDocument/2006/customXml" ds:itemID="{684673FE-BB92-4DE6-BF50-615312A1970F}">
+  <ds:schemaRefs>
+    <ds:schemaRef ds:uri="http://schemas.microsoft.com/sharepoint/v3/contenttype/forms"/>
+  </ds:schemaRefs>
+</ds:datastoreItem>
+</file>
+
+<file path=customXml/itemProps2.xml><?xml version="1.0" encoding="utf-8"?>
 <ds:datastoreItem xmlns:ds="http://schemas.openxmlformats.org/officeDocument/2006/customXml" ds:itemID="{492D3E62-71CE-4ACD-A72D-79DBE20841EF}">
   <ds:schemaRefs>
     <ds:schemaRef ds:uri="ef11e8bc-0be7-4783-881f-dcb2a8e0e298"/>
@@ -33032,14 +33438,6 @@
     <ds:schemaRef ds:uri="http://schemas.microsoft.com/office/infopath/2007/PartnerControls"/>
     <ds:schemaRef ds:uri="http://schemas.openxmlformats.org/package/2006/metadata/core-properties"/>
     <ds:schemaRef ds:uri="http://www.w3.org/XML/1998/namespace"/>
-  </ds:schemaRefs>
-</ds:datastoreItem>
-</file>
-
-<file path=customXml/itemProps2.xml><?xml version="1.0" encoding="utf-8"?>
-<ds:datastoreItem xmlns:ds="http://schemas.openxmlformats.org/officeDocument/2006/customXml" ds:itemID="{684673FE-BB92-4DE6-BF50-615312A1970F}">
-  <ds:schemaRefs>
-    <ds:schemaRef ds:uri="http://schemas.microsoft.com/sharepoint/v3/contenttype/forms"/>
   </ds:schemaRefs>
 </ds:datastoreItem>
 </file>
